--- a/CS 229 Poster.pptx
+++ b/CS 229 Poster.pptx
@@ -3707,8 +3707,8 @@
         </p:nvSpPr>
         <p:spPr>
           <a:xfrm>
-            <a:off x="838201" y="3581400"/>
-            <a:ext cx="8610599" cy="3816429"/>
+            <a:off x="838201" y="3505200"/>
+            <a:ext cx="8610599" cy="4154984"/>
           </a:xfrm>
           <a:prstGeom prst="rect">
             <a:avLst/>
@@ -3757,7 +3757,28 @@
                 <a:latin typeface="Helvetica" panose="020B0604020202020204" pitchFamily="34" charset="0"/>
                 <a:cs typeface="Helvetica" panose="020B0604020202020204" pitchFamily="34" charset="0"/>
               </a:rPr>
-              <a:t> equivalents. Although extensive research has been conducted on handwritten recognition, there is not a consensus on feature extraction. We will test various feature extraction techniques and learning models to find a combination that recognizes math symbols with the lowest error. </a:t>
+              <a:t> equivalents. Although extensive research has been conducted on handwritten recognition, there is not a consensus on feature </a:t>
+            </a:r>
+            <a:r>
+              <a:rPr lang="en-US" sz="2200" dirty="0" smtClean="0">
+                <a:latin typeface="Helvetica" panose="020B0604020202020204" pitchFamily="34" charset="0"/>
+                <a:cs typeface="Helvetica" panose="020B0604020202020204" pitchFamily="34" charset="0"/>
+              </a:rPr>
+              <a:t>selection. </a:t>
+            </a:r>
+            <a:r>
+              <a:rPr lang="en-US" sz="2200" dirty="0" smtClean="0">
+                <a:latin typeface="Helvetica" panose="020B0604020202020204" pitchFamily="34" charset="0"/>
+                <a:cs typeface="Helvetica" panose="020B0604020202020204" pitchFamily="34" charset="0"/>
+              </a:rPr>
+              <a:t>We will test various feature extraction techniques and learning models to find a combination that recognizes math symbols with the lowest error</a:t>
+            </a:r>
+            <a:r>
+              <a:rPr lang="en-US" sz="2200" dirty="0" smtClean="0">
+                <a:latin typeface="Helvetica" panose="020B0604020202020204" pitchFamily="34" charset="0"/>
+                <a:cs typeface="Helvetica" panose="020B0604020202020204" pitchFamily="34" charset="0"/>
+              </a:rPr>
+              <a:t>. The models that we consider include SVM, K-nearest neighbors, random trees and multilayer perceptron (MLP)</a:t>
             </a:r>
             <a:endParaRPr lang="en-US" sz="2200" dirty="0">
               <a:latin typeface="Helvetica" panose="020B0604020202020204" pitchFamily="34" charset="0"/>
@@ -3766,8 +3787,8 @@
           </a:p>
         </p:txBody>
       </p:sp>
-      <mc:AlternateContent xmlns:mc="http://schemas.openxmlformats.org/markup-compatibility/2006">
-        <mc:Choice xmlns:a14="http://schemas.microsoft.com/office/drawing/2010/main" Requires="a14">
+      <mc:AlternateContent xmlns:mc="http://schemas.openxmlformats.org/markup-compatibility/2006" xmlns:a14="http://schemas.microsoft.com/office/drawing/2010/main">
+        <mc:Choice Requires="a14">
           <p:sp>
             <p:nvSpPr>
               <p:cNvPr id="5" name="TextBox 4"/>
@@ -3990,7 +4011,7 @@
             </p:txBody>
           </p:sp>
         </mc:Choice>
-        <mc:Fallback>
+        <mc:Fallback xmlns="">
           <p:sp>
             <p:nvSpPr>
               <p:cNvPr id="5" name="TextBox 4"/>
@@ -4051,7 +4072,7 @@
         </p:blipFill>
         <p:spPr>
           <a:xfrm>
-            <a:off x="927101" y="12042274"/>
+            <a:off x="927101" y="11813674"/>
             <a:ext cx="1625600" cy="1625600"/>
           </a:xfrm>
           <a:prstGeom prst="rect">
@@ -4086,7 +4107,7 @@
         </p:blipFill>
         <p:spPr>
           <a:xfrm>
-            <a:off x="5232400" y="12042274"/>
+            <a:off x="5232400" y="11813674"/>
             <a:ext cx="1625600" cy="1625600"/>
           </a:xfrm>
           <a:prstGeom prst="rect">
@@ -4122,7 +4143,7 @@
         </p:blipFill>
         <p:spPr bwMode="auto">
           <a:xfrm>
-            <a:off x="3012118" y="12039600"/>
+            <a:off x="3012118" y="11811000"/>
             <a:ext cx="1625600" cy="1625600"/>
           </a:xfrm>
           <a:prstGeom prst="rect">
@@ -4153,7 +4174,7 @@
         </p:nvSpPr>
         <p:spPr>
           <a:xfrm>
-            <a:off x="959184" y="13984250"/>
+            <a:off x="959184" y="13755650"/>
             <a:ext cx="1625600" cy="461665"/>
           </a:xfrm>
           <a:prstGeom prst="rect">
@@ -4190,7 +4211,7 @@
         </p:nvSpPr>
         <p:spPr>
           <a:xfrm>
-            <a:off x="3012118" y="13984250"/>
+            <a:off x="3012118" y="13755650"/>
             <a:ext cx="1625600" cy="461665"/>
           </a:xfrm>
           <a:prstGeom prst="rect">
@@ -4227,7 +4248,7 @@
         </p:nvSpPr>
         <p:spPr>
           <a:xfrm>
-            <a:off x="5232400" y="13973996"/>
+            <a:off x="5232400" y="13745396"/>
             <a:ext cx="1625600" cy="461665"/>
           </a:xfrm>
           <a:prstGeom prst="rect">
@@ -4279,8 +4300,8 @@
         </p:blipFill>
         <p:spPr bwMode="auto">
           <a:xfrm>
-            <a:off x="10287000" y="2819400"/>
-            <a:ext cx="11527221" cy="4103149"/>
+            <a:off x="10612820" y="3048001"/>
+            <a:ext cx="10896600" cy="3878678"/>
           </a:xfrm>
           <a:prstGeom prst="rect">
             <a:avLst/>
@@ -4305,8 +4326,8 @@
         </p:nvSpPr>
         <p:spPr>
           <a:xfrm>
-            <a:off x="10591799" y="6814055"/>
-            <a:ext cx="10917621" cy="2462213"/>
+            <a:off x="10582834" y="6385679"/>
+            <a:ext cx="10917621" cy="3139321"/>
           </a:xfrm>
           <a:prstGeom prst="rect">
             <a:avLst/>
@@ -4319,32 +4340,664 @@
           <a:lstStyle/>
           <a:p>
             <a:r>
+              <a:rPr lang="en-US" sz="2200" dirty="0" smtClean="0">
+                <a:latin typeface="Helvetica" panose="020B0604020202020204" pitchFamily="34" charset="0"/>
+                <a:cs typeface="Helvetica" panose="020B0604020202020204" pitchFamily="34" charset="0"/>
+              </a:rPr>
+              <a:t>Pipeline</a:t>
+            </a:r>
+          </a:p>
+          <a:p>
+            <a:endParaRPr lang="en-US" sz="2200" dirty="0" smtClean="0">
+              <a:latin typeface="Helvetica" panose="020B0604020202020204" pitchFamily="34" charset="0"/>
+              <a:cs typeface="Helvetica" panose="020B0604020202020204" pitchFamily="34" charset="0"/>
+            </a:endParaRPr>
+          </a:p>
+          <a:p>
+            <a:pPr indent="457200"/>
+            <a:r>
+              <a:rPr lang="en-US" sz="2200" dirty="0" smtClean="0">
+                <a:latin typeface="Helvetica" panose="020B0604020202020204" pitchFamily="34" charset="0"/>
+                <a:cs typeface="Helvetica" panose="020B0604020202020204" pitchFamily="34" charset="0"/>
+              </a:rPr>
+              <a:t>We </a:t>
+            </a:r>
+            <a:r>
               <a:rPr lang="en-US" sz="2200" dirty="0">
                 <a:latin typeface="Helvetica" panose="020B0604020202020204" pitchFamily="34" charset="0"/>
                 <a:cs typeface="Helvetica" panose="020B0604020202020204" pitchFamily="34" charset="0"/>
               </a:rPr>
-              <a:t>Pipeline</a:t>
-            </a:r>
+              <a:t>run our handwritten symbols through a three-step process in order to produce an optimal output. The first step is to put the image through some form of preprocessing in order to “normalize” the images and reduce variations between inputs. Next, we perform some sort of feature detection algorithm – in our case, either using a vector of pixel values or detected corners in the image. Finally, we input this feature vector into a machine learning algorithm such a support vector machine or a random forest.</a:t>
+            </a:r>
+          </a:p>
+        </p:txBody>
+      </p:sp>
+      <p:sp>
+        <p:nvSpPr>
+          <p:cNvPr id="3" name="TextBox 2"/>
+          <p:cNvSpPr txBox="1"/>
+          <p:nvPr/>
+        </p:nvSpPr>
+        <p:spPr>
+          <a:xfrm>
+            <a:off x="3824918" y="685801"/>
+            <a:ext cx="25435882" cy="1938992"/>
+          </a:xfrm>
+          <a:prstGeom prst="rect">
+            <a:avLst/>
+          </a:prstGeom>
+          <a:noFill/>
+        </p:spPr>
+        <p:txBody>
+          <a:bodyPr wrap="square" rtlCol="0">
+            <a:spAutoFit/>
+          </a:bodyPr>
+          <a:lstStyle/>
+          <a:p>
+            <a:pPr algn="ctr"/>
+            <a:r>
+              <a:rPr lang="en-US" sz="7200" b="1" dirty="0" smtClean="0">
+                <a:latin typeface="Garamond" panose="02020404030301010803" pitchFamily="18" charset="0"/>
+                <a:cs typeface="Helvetica" panose="020B0604020202020204" pitchFamily="34" charset="0"/>
+              </a:rPr>
+              <a:t>On the Recognition of Handwritten </a:t>
+            </a:r>
+            <a:r>
+              <a:rPr lang="en-US" sz="7200" b="1" dirty="0">
+                <a:latin typeface="Garamond" panose="02020404030301010803" pitchFamily="18" charset="0"/>
+                <a:cs typeface="Helvetica" panose="020B0604020202020204" pitchFamily="34" charset="0"/>
+              </a:rPr>
+              <a:t>M</a:t>
+            </a:r>
+            <a:r>
+              <a:rPr lang="en-US" sz="7200" b="1" dirty="0" smtClean="0">
+                <a:latin typeface="Garamond" panose="02020404030301010803" pitchFamily="18" charset="0"/>
+                <a:cs typeface="Helvetica" panose="020B0604020202020204" pitchFamily="34" charset="0"/>
+              </a:rPr>
+              <a:t>ath Equations</a:t>
+            </a:r>
+          </a:p>
+          <a:p>
+            <a:pPr algn="ctr"/>
+            <a:r>
+              <a:rPr lang="en-US" sz="4800" dirty="0" smtClean="0">
+                <a:latin typeface="Garamond" panose="02020404030301010803" pitchFamily="18" charset="0"/>
+                <a:cs typeface="Helvetica" panose="020B0604020202020204" pitchFamily="34" charset="0"/>
+              </a:rPr>
+              <a:t>Maximillian Wang, </a:t>
+            </a:r>
+            <a:r>
+              <a:rPr lang="en-US" sz="4800" dirty="0" err="1" smtClean="0">
+                <a:latin typeface="Garamond" panose="02020404030301010803" pitchFamily="18" charset="0"/>
+                <a:cs typeface="Helvetica" panose="020B0604020202020204" pitchFamily="34" charset="0"/>
+              </a:rPr>
+              <a:t>Quan</a:t>
+            </a:r>
+            <a:r>
+              <a:rPr lang="en-US" sz="4800" dirty="0">
+                <a:latin typeface="Garamond" panose="02020404030301010803" pitchFamily="18" charset="0"/>
+                <a:cs typeface="Helvetica" panose="020B0604020202020204" pitchFamily="34" charset="0"/>
+              </a:rPr>
+              <a:t> </a:t>
+            </a:r>
+            <a:r>
+              <a:rPr lang="en-US" sz="4800" dirty="0" smtClean="0">
+                <a:latin typeface="Garamond" panose="02020404030301010803" pitchFamily="18" charset="0"/>
+                <a:cs typeface="Helvetica" panose="020B0604020202020204" pitchFamily="34" charset="0"/>
+              </a:rPr>
+              <a:t>Nguyen, Le Cheng Fan</a:t>
+            </a:r>
+          </a:p>
+        </p:txBody>
+      </p:sp>
+      <p:sp>
+        <p:nvSpPr>
+          <p:cNvPr id="9" name="TextBox 8"/>
+          <p:cNvSpPr txBox="1"/>
+          <p:nvPr/>
+        </p:nvSpPr>
+        <p:spPr>
+          <a:xfrm>
+            <a:off x="22061216" y="15011400"/>
+            <a:ext cx="4572000" cy="5847755"/>
+          </a:xfrm>
+          <a:prstGeom prst="rect">
+            <a:avLst/>
+          </a:prstGeom>
+          <a:noFill/>
+        </p:spPr>
+        <p:txBody>
+          <a:bodyPr wrap="square" rtlCol="0">
+            <a:spAutoFit/>
+          </a:bodyPr>
+          <a:lstStyle/>
+          <a:p>
             <a:r>
               <a:rPr lang="en-US" sz="2200" dirty="0" smtClean="0">
                 <a:latin typeface="Helvetica" panose="020B0604020202020204" pitchFamily="34" charset="0"/>
                 <a:cs typeface="Helvetica" panose="020B0604020202020204" pitchFamily="34" charset="0"/>
               </a:rPr>
+              <a:t>Future</a:t>
+            </a:r>
+          </a:p>
+          <a:p>
+            <a:r>
+              <a:rPr lang="en-US" sz="2200" dirty="0">
+                <a:latin typeface="Helvetica" panose="020B0604020202020204" pitchFamily="34" charset="0"/>
+                <a:cs typeface="Helvetica" panose="020B0604020202020204" pitchFamily="34" charset="0"/>
+              </a:rPr>
               <a:t/>
             </a:r>
             <a:br>
+              <a:rPr lang="en-US" sz="2200" dirty="0">
+                <a:latin typeface="Helvetica" panose="020B0604020202020204" pitchFamily="34" charset="0"/>
+                <a:cs typeface="Helvetica" panose="020B0604020202020204" pitchFamily="34" charset="0"/>
+              </a:rPr>
+            </a:br>
+            <a:r>
+              <a:rPr lang="en-US" sz="2200" dirty="0">
+                <a:latin typeface="Helvetica" panose="020B0604020202020204" pitchFamily="34" charset="0"/>
+                <a:cs typeface="Helvetica" panose="020B0604020202020204" pitchFamily="34" charset="0"/>
+              </a:rPr>
+              <a:t>Our future goal is to use our handwriting classification pipeline in a full transcription system. The final system should be able to read in a handwritten math equation, process it to classify </a:t>
+            </a:r>
+            <a:r>
               <a:rPr lang="en-US" sz="2200" dirty="0" smtClean="0">
                 <a:latin typeface="Helvetica" panose="020B0604020202020204" pitchFamily="34" charset="0"/>
                 <a:cs typeface="Helvetica" panose="020B0604020202020204" pitchFamily="34" charset="0"/>
               </a:rPr>
-            </a:br>
+              <a:t> each </a:t>
+            </a:r>
             <a:r>
               <a:rPr lang="en-US" sz="2200" dirty="0">
                 <a:latin typeface="Helvetica" panose="020B0604020202020204" pitchFamily="34" charset="0"/>
                 <a:cs typeface="Helvetica" panose="020B0604020202020204" pitchFamily="34" charset="0"/>
               </a:rPr>
-              <a:t>We run our handwritten symbols through a three-step process in order to produce an optimal output. The first step is to put the image through some form of preprocessing in order to “normalize” the images and reduce variations between inputs. Next, we perform some sort of feature detection algorithm – in our case, either using a vector of pixel values or detected corners in the image. Finally, we input this feature vector into a machine learning algorithm such a support vector machine or a random forest.</a:t>
-            </a:r>
+              <a:t>symbol, and then output </a:t>
+            </a:r>
+            <a:r>
+              <a:rPr lang="en-US" sz="2200" dirty="0" err="1">
+                <a:latin typeface="Helvetica" panose="020B0604020202020204" pitchFamily="34" charset="0"/>
+                <a:cs typeface="Helvetica" panose="020B0604020202020204" pitchFamily="34" charset="0"/>
+              </a:rPr>
+              <a:t>LaTeX</a:t>
+            </a:r>
+            <a:r>
+              <a:rPr lang="en-US" sz="2200" dirty="0">
+                <a:latin typeface="Helvetica" panose="020B0604020202020204" pitchFamily="34" charset="0"/>
+                <a:cs typeface="Helvetica" panose="020B0604020202020204" pitchFamily="34" charset="0"/>
+              </a:rPr>
+              <a:t> code corresponding to the written equation. In the long run we envision this system as a helpful tool for math and science students to use in their classes and make assignments easier for instructors to grade</a:t>
+            </a:r>
+            <a:r>
+              <a:rPr lang="en-US" sz="2200" dirty="0" smtClean="0">
+                <a:latin typeface="Helvetica" panose="020B0604020202020204" pitchFamily="34" charset="0"/>
+                <a:cs typeface="Helvetica" panose="020B0604020202020204" pitchFamily="34" charset="0"/>
+              </a:rPr>
+              <a:t>. It will also allow us to digitize older scientific publications.</a:t>
+            </a:r>
+            <a:endParaRPr lang="en-US" sz="2200" dirty="0">
+              <a:latin typeface="Helvetica" panose="020B0604020202020204" pitchFamily="34" charset="0"/>
+              <a:cs typeface="Helvetica" panose="020B0604020202020204" pitchFamily="34" charset="0"/>
+            </a:endParaRPr>
+          </a:p>
+        </p:txBody>
+      </p:sp>
+      <p:sp>
+        <p:nvSpPr>
+          <p:cNvPr id="10" name="TextBox 9"/>
+          <p:cNvSpPr txBox="1"/>
+          <p:nvPr/>
+        </p:nvSpPr>
+        <p:spPr>
+          <a:xfrm>
+            <a:off x="26974800" y="13984250"/>
+            <a:ext cx="5562600" cy="9633406"/>
+          </a:xfrm>
+          <a:prstGeom prst="rect">
+            <a:avLst/>
+          </a:prstGeom>
+          <a:noFill/>
+        </p:spPr>
+        <p:txBody>
+          <a:bodyPr wrap="square" rtlCol="0">
+            <a:spAutoFit/>
+          </a:bodyPr>
+          <a:lstStyle/>
+          <a:p>
+            <a:r>
+              <a:rPr lang="en-US" sz="2000" dirty="0" smtClean="0">
+                <a:latin typeface="Helvetica" panose="020B0604020202020204" pitchFamily="34" charset="0"/>
+                <a:cs typeface="Helvetica" panose="020B0604020202020204" pitchFamily="34" charset="0"/>
+              </a:rPr>
+              <a:t>References</a:t>
+            </a:r>
+          </a:p>
+          <a:p>
+            <a:endParaRPr lang="en-US" sz="2000" dirty="0" smtClean="0">
+              <a:latin typeface="Helvetica" panose="020B0604020202020204" pitchFamily="34" charset="0"/>
+              <a:cs typeface="Helvetica" panose="020B0604020202020204" pitchFamily="34" charset="0"/>
+            </a:endParaRPr>
+          </a:p>
+          <a:p>
+            <a:r>
+              <a:rPr lang="en-US" sz="2000" dirty="0" smtClean="0">
+                <a:latin typeface="Helvetica" panose="020B0604020202020204" pitchFamily="34" charset="0"/>
+                <a:cs typeface="Helvetica" panose="020B0604020202020204" pitchFamily="34" charset="0"/>
+              </a:rPr>
+              <a:t>A. Graves</a:t>
+            </a:r>
+            <a:r>
+              <a:rPr lang="en-US" sz="2000" dirty="0">
+                <a:latin typeface="Helvetica" panose="020B0604020202020204" pitchFamily="34" charset="0"/>
+                <a:cs typeface="Helvetica" panose="020B0604020202020204" pitchFamily="34" charset="0"/>
+              </a:rPr>
+              <a:t>, et. al. A Novel Connectionist System for Improved Unconstrained Handwriting Recognition. </a:t>
+            </a:r>
+            <a:r>
+              <a:rPr lang="en-US" sz="2000" i="1" dirty="0">
+                <a:latin typeface="Helvetica" panose="020B0604020202020204" pitchFamily="34" charset="0"/>
+                <a:cs typeface="Helvetica" panose="020B0604020202020204" pitchFamily="34" charset="0"/>
+              </a:rPr>
+              <a:t>IEEE Transactions on Pattern Analysis and Machine Intelligence</a:t>
+            </a:r>
+            <a:r>
+              <a:rPr lang="en-US" sz="2000" dirty="0">
+                <a:latin typeface="Helvetica" panose="020B0604020202020204" pitchFamily="34" charset="0"/>
+                <a:cs typeface="Helvetica" panose="020B0604020202020204" pitchFamily="34" charset="0"/>
+              </a:rPr>
+              <a:t>, vol. 31, no. 5, 2009</a:t>
+            </a:r>
+            <a:r>
+              <a:rPr lang="en-US" sz="2000" dirty="0" smtClean="0">
+                <a:latin typeface="Helvetica" panose="020B0604020202020204" pitchFamily="34" charset="0"/>
+                <a:cs typeface="Helvetica" panose="020B0604020202020204" pitchFamily="34" charset="0"/>
+              </a:rPr>
+              <a:t>.</a:t>
+            </a:r>
+          </a:p>
+          <a:p>
+            <a:endParaRPr lang="en-US" sz="2000" dirty="0">
+              <a:latin typeface="Helvetica" panose="020B0604020202020204" pitchFamily="34" charset="0"/>
+              <a:cs typeface="Helvetica" panose="020B0604020202020204" pitchFamily="34" charset="0"/>
+            </a:endParaRPr>
+          </a:p>
+          <a:p>
+            <a:r>
+              <a:rPr lang="en-US" sz="2000" dirty="0" err="1" smtClean="0">
+                <a:solidFill>
+                  <a:srgbClr val="000000"/>
+                </a:solidFill>
+                <a:latin typeface="Helvetica" panose="020B0604020202020204" pitchFamily="34" charset="0"/>
+                <a:cs typeface="Helvetica" panose="020B0604020202020204" pitchFamily="34" charset="0"/>
+              </a:rPr>
+              <a:t>Ciresan</a:t>
+            </a:r>
+            <a:r>
+              <a:rPr lang="en-US" sz="2000" dirty="0">
+                <a:solidFill>
+                  <a:srgbClr val="000000"/>
+                </a:solidFill>
+                <a:latin typeface="Helvetica" panose="020B0604020202020204" pitchFamily="34" charset="0"/>
+                <a:cs typeface="Helvetica" panose="020B0604020202020204" pitchFamily="34" charset="0"/>
+              </a:rPr>
+              <a:t>, Dan, </a:t>
+            </a:r>
+            <a:r>
+              <a:rPr lang="en-US" sz="2000" dirty="0" err="1">
+                <a:solidFill>
+                  <a:srgbClr val="000000"/>
+                </a:solidFill>
+                <a:latin typeface="Helvetica" panose="020B0604020202020204" pitchFamily="34" charset="0"/>
+                <a:cs typeface="Helvetica" panose="020B0604020202020204" pitchFamily="34" charset="0"/>
+              </a:rPr>
+              <a:t>Ueli</a:t>
+            </a:r>
+            <a:r>
+              <a:rPr lang="en-US" sz="2000" dirty="0">
+                <a:solidFill>
+                  <a:srgbClr val="000000"/>
+                </a:solidFill>
+                <a:latin typeface="Helvetica" panose="020B0604020202020204" pitchFamily="34" charset="0"/>
+                <a:cs typeface="Helvetica" panose="020B0604020202020204" pitchFamily="34" charset="0"/>
+              </a:rPr>
+              <a:t> Meier, and </a:t>
+            </a:r>
+            <a:r>
+              <a:rPr lang="en-US" sz="2000" dirty="0" err="1">
+                <a:solidFill>
+                  <a:srgbClr val="000000"/>
+                </a:solidFill>
+                <a:latin typeface="Helvetica" panose="020B0604020202020204" pitchFamily="34" charset="0"/>
+                <a:cs typeface="Helvetica" panose="020B0604020202020204" pitchFamily="34" charset="0"/>
+              </a:rPr>
+              <a:t>Jurgen</a:t>
+            </a:r>
+            <a:r>
+              <a:rPr lang="en-US" sz="2000" dirty="0">
+                <a:solidFill>
+                  <a:srgbClr val="000000"/>
+                </a:solidFill>
+                <a:latin typeface="Helvetica" panose="020B0604020202020204" pitchFamily="34" charset="0"/>
+                <a:cs typeface="Helvetica" panose="020B0604020202020204" pitchFamily="34" charset="0"/>
+              </a:rPr>
+              <a:t> </a:t>
+            </a:r>
+            <a:r>
+              <a:rPr lang="en-US" sz="2000" dirty="0" err="1">
+                <a:solidFill>
+                  <a:srgbClr val="000000"/>
+                </a:solidFill>
+                <a:latin typeface="Helvetica" panose="020B0604020202020204" pitchFamily="34" charset="0"/>
+                <a:cs typeface="Helvetica" panose="020B0604020202020204" pitchFamily="34" charset="0"/>
+              </a:rPr>
+              <a:t>Schmidhuber</a:t>
+            </a:r>
+            <a:r>
+              <a:rPr lang="en-US" sz="2000" dirty="0">
+                <a:solidFill>
+                  <a:srgbClr val="000000"/>
+                </a:solidFill>
+                <a:latin typeface="Helvetica" panose="020B0604020202020204" pitchFamily="34" charset="0"/>
+                <a:cs typeface="Helvetica" panose="020B0604020202020204" pitchFamily="34" charset="0"/>
+              </a:rPr>
+              <a:t>. "Multi-column Deep Learning Neural Networks for Image Classification." </a:t>
+            </a:r>
+            <a:r>
+              <a:rPr lang="en-US" sz="2000" i="1" dirty="0">
+                <a:solidFill>
+                  <a:srgbClr val="000000"/>
+                </a:solidFill>
+                <a:latin typeface="Helvetica" panose="020B0604020202020204" pitchFamily="34" charset="0"/>
+                <a:cs typeface="Helvetica" panose="020B0604020202020204" pitchFamily="34" charset="0"/>
+              </a:rPr>
+              <a:t>IEEE Conference on Computer Vision and Pattern Recognition</a:t>
+            </a:r>
+            <a:r>
+              <a:rPr lang="en-US" sz="2000" dirty="0">
+                <a:solidFill>
+                  <a:srgbClr val="000000"/>
+                </a:solidFill>
+                <a:latin typeface="Helvetica" panose="020B0604020202020204" pitchFamily="34" charset="0"/>
+                <a:cs typeface="Helvetica" panose="020B0604020202020204" pitchFamily="34" charset="0"/>
+              </a:rPr>
+              <a:t> (2012): 3642-649. IEEE. Web</a:t>
+            </a:r>
+            <a:r>
+              <a:rPr lang="en-US" sz="2000" dirty="0" smtClean="0">
+                <a:solidFill>
+                  <a:srgbClr val="000000"/>
+                </a:solidFill>
+                <a:latin typeface="Helvetica" panose="020B0604020202020204" pitchFamily="34" charset="0"/>
+                <a:cs typeface="Helvetica" panose="020B0604020202020204" pitchFamily="34" charset="0"/>
+              </a:rPr>
+              <a:t>.</a:t>
+            </a:r>
+          </a:p>
+          <a:p>
+            <a:endParaRPr lang="en-US" sz="2000" dirty="0" smtClean="0">
+              <a:solidFill>
+                <a:srgbClr val="000000"/>
+              </a:solidFill>
+              <a:latin typeface="Helvetica" panose="020B0604020202020204" pitchFamily="34" charset="0"/>
+              <a:cs typeface="Helvetica" panose="020B0604020202020204" pitchFamily="34" charset="0"/>
+            </a:endParaRPr>
+          </a:p>
+          <a:p>
+            <a:r>
+              <a:rPr lang="en-US" sz="2000" dirty="0">
+                <a:latin typeface="Helvetica" panose="020B0604020202020204" pitchFamily="34" charset="0"/>
+                <a:cs typeface="Helvetica" panose="020B0604020202020204" pitchFamily="34" charset="0"/>
+              </a:rPr>
+              <a:t>Hsu, </a:t>
+            </a:r>
+            <a:r>
+              <a:rPr lang="en-US" sz="2000" dirty="0" err="1">
+                <a:latin typeface="Helvetica" panose="020B0604020202020204" pitchFamily="34" charset="0"/>
+                <a:cs typeface="Helvetica" panose="020B0604020202020204" pitchFamily="34" charset="0"/>
+              </a:rPr>
+              <a:t>Chih</a:t>
+            </a:r>
+            <a:r>
+              <a:rPr lang="en-US" sz="2000" dirty="0">
+                <a:latin typeface="Helvetica" panose="020B0604020202020204" pitchFamily="34" charset="0"/>
+                <a:cs typeface="Helvetica" panose="020B0604020202020204" pitchFamily="34" charset="0"/>
+              </a:rPr>
+              <a:t>-Wei, and </a:t>
+            </a:r>
+            <a:r>
+              <a:rPr lang="en-US" sz="2000" dirty="0" err="1">
+                <a:latin typeface="Helvetica" panose="020B0604020202020204" pitchFamily="34" charset="0"/>
+                <a:cs typeface="Helvetica" panose="020B0604020202020204" pitchFamily="34" charset="0"/>
+              </a:rPr>
+              <a:t>Chih</a:t>
+            </a:r>
+            <a:r>
+              <a:rPr lang="en-US" sz="2000" dirty="0">
+                <a:latin typeface="Helvetica" panose="020B0604020202020204" pitchFamily="34" charset="0"/>
+                <a:cs typeface="Helvetica" panose="020B0604020202020204" pitchFamily="34" charset="0"/>
+              </a:rPr>
+              <a:t>-Jen Lin. "A Comparison of Methods for Multiclass Support Vector Machines." </a:t>
+            </a:r>
+            <a:r>
+              <a:rPr lang="en-US" sz="2000" i="1" dirty="0">
+                <a:latin typeface="Helvetica" panose="020B0604020202020204" pitchFamily="34" charset="0"/>
+                <a:cs typeface="Helvetica" panose="020B0604020202020204" pitchFamily="34" charset="0"/>
+              </a:rPr>
+              <a:t>IEEE Transactions on Neural Networks</a:t>
+            </a:r>
+            <a:r>
+              <a:rPr lang="en-US" sz="2000" dirty="0">
+                <a:latin typeface="Helvetica" panose="020B0604020202020204" pitchFamily="34" charset="0"/>
+                <a:cs typeface="Helvetica" panose="020B0604020202020204" pitchFamily="34" charset="0"/>
+              </a:rPr>
+              <a:t> 13.2 (2002): 415-25. Web.</a:t>
+            </a:r>
+            <a:endParaRPr lang="en-US" sz="2000" dirty="0" smtClean="0">
+              <a:solidFill>
+                <a:srgbClr val="000000"/>
+              </a:solidFill>
+              <a:latin typeface="Helvetica" panose="020B0604020202020204" pitchFamily="34" charset="0"/>
+              <a:cs typeface="Helvetica" panose="020B0604020202020204" pitchFamily="34" charset="0"/>
+            </a:endParaRPr>
+          </a:p>
+          <a:p>
+            <a:endParaRPr lang="en-US" sz="2000" dirty="0" smtClean="0">
+              <a:solidFill>
+                <a:srgbClr val="000000"/>
+              </a:solidFill>
+              <a:latin typeface="Helvetica" panose="020B0604020202020204" pitchFamily="34" charset="0"/>
+              <a:cs typeface="Helvetica" panose="020B0604020202020204" pitchFamily="34" charset="0"/>
+            </a:endParaRPr>
+          </a:p>
+          <a:p>
+            <a:r>
+              <a:rPr lang="en-US" sz="2000" dirty="0" err="1">
+                <a:latin typeface="Helvetica" panose="020B0604020202020204" pitchFamily="34" charset="0"/>
+                <a:cs typeface="Helvetica" panose="020B0604020202020204" pitchFamily="34" charset="0"/>
+              </a:rPr>
+              <a:t>Knerr</a:t>
+            </a:r>
+            <a:r>
+              <a:rPr lang="en-US" sz="2000" dirty="0">
+                <a:latin typeface="Helvetica" panose="020B0604020202020204" pitchFamily="34" charset="0"/>
+                <a:cs typeface="Helvetica" panose="020B0604020202020204" pitchFamily="34" charset="0"/>
+              </a:rPr>
+              <a:t>, S., L. </a:t>
+            </a:r>
+            <a:r>
+              <a:rPr lang="en-US" sz="2000" dirty="0" err="1">
+                <a:latin typeface="Helvetica" panose="020B0604020202020204" pitchFamily="34" charset="0"/>
+                <a:cs typeface="Helvetica" panose="020B0604020202020204" pitchFamily="34" charset="0"/>
+              </a:rPr>
+              <a:t>Personnaz</a:t>
+            </a:r>
+            <a:r>
+              <a:rPr lang="en-US" sz="2000" dirty="0">
+                <a:latin typeface="Helvetica" panose="020B0604020202020204" pitchFamily="34" charset="0"/>
+                <a:cs typeface="Helvetica" panose="020B0604020202020204" pitchFamily="34" charset="0"/>
+              </a:rPr>
+              <a:t>, and G. Dreyfus. "Single-layer Learning Revisited: A Stepwise Procedure for Building and Training a Neural </a:t>
+            </a:r>
+            <a:r>
+              <a:rPr lang="en-US" sz="2000" dirty="0" err="1">
+                <a:latin typeface="Helvetica" panose="020B0604020202020204" pitchFamily="34" charset="0"/>
+                <a:cs typeface="Helvetica" panose="020B0604020202020204" pitchFamily="34" charset="0"/>
+              </a:rPr>
+              <a:t>Network."</a:t>
+            </a:r>
+            <a:r>
+              <a:rPr lang="en-US" sz="2000" i="1" dirty="0" err="1">
+                <a:latin typeface="Helvetica" panose="020B0604020202020204" pitchFamily="34" charset="0"/>
+                <a:cs typeface="Helvetica" panose="020B0604020202020204" pitchFamily="34" charset="0"/>
+              </a:rPr>
+              <a:t>Springer</a:t>
+            </a:r>
+            <a:r>
+              <a:rPr lang="en-US" sz="2000" dirty="0">
+                <a:latin typeface="Helvetica" panose="020B0604020202020204" pitchFamily="34" charset="0"/>
+                <a:cs typeface="Helvetica" panose="020B0604020202020204" pitchFamily="34" charset="0"/>
+              </a:rPr>
+              <a:t> 68 (1990): 41-50. Web.</a:t>
+            </a:r>
+            <a:endParaRPr lang="en-US" sz="2000" dirty="0" smtClean="0">
+              <a:solidFill>
+                <a:srgbClr val="000000"/>
+              </a:solidFill>
+              <a:latin typeface="Helvetica" panose="020B0604020202020204" pitchFamily="34" charset="0"/>
+              <a:cs typeface="Helvetica" panose="020B0604020202020204" pitchFamily="34" charset="0"/>
+            </a:endParaRPr>
+          </a:p>
+          <a:p>
+            <a:endParaRPr lang="en-US" sz="2000" dirty="0" smtClean="0">
+              <a:latin typeface="Helvetica" panose="020B0604020202020204" pitchFamily="34" charset="0"/>
+              <a:cs typeface="Helvetica" panose="020B0604020202020204" pitchFamily="34" charset="0"/>
+            </a:endParaRPr>
+          </a:p>
+          <a:p>
+            <a:r>
+              <a:rPr lang="en-US" sz="2000" dirty="0" smtClean="0">
+                <a:latin typeface="Helvetica" panose="020B0604020202020204" pitchFamily="34" charset="0"/>
+                <a:cs typeface="Helvetica" panose="020B0604020202020204" pitchFamily="34" charset="0"/>
+              </a:rPr>
+              <a:t>Liu, Cheng-Lin, </a:t>
+            </a:r>
+            <a:r>
+              <a:rPr lang="en-US" sz="2000" dirty="0" err="1" smtClean="0">
+                <a:latin typeface="Helvetica" panose="020B0604020202020204" pitchFamily="34" charset="0"/>
+                <a:cs typeface="Helvetica" panose="020B0604020202020204" pitchFamily="34" charset="0"/>
+              </a:rPr>
+              <a:t>Kazuki</a:t>
+            </a:r>
+            <a:r>
+              <a:rPr lang="en-US" sz="2000" dirty="0" smtClean="0">
+                <a:latin typeface="Helvetica" panose="020B0604020202020204" pitchFamily="34" charset="0"/>
+                <a:cs typeface="Helvetica" panose="020B0604020202020204" pitchFamily="34" charset="0"/>
+              </a:rPr>
+              <a:t> Nakashima, Hiroshi </a:t>
+            </a:r>
+            <a:r>
+              <a:rPr lang="en-US" sz="2000" dirty="0" err="1" smtClean="0">
+                <a:latin typeface="Helvetica" panose="020B0604020202020204" pitchFamily="34" charset="0"/>
+                <a:cs typeface="Helvetica" panose="020B0604020202020204" pitchFamily="34" charset="0"/>
+              </a:rPr>
+              <a:t>Sako</a:t>
+            </a:r>
+            <a:r>
+              <a:rPr lang="en-US" sz="2000" dirty="0" smtClean="0">
+                <a:latin typeface="Helvetica" panose="020B0604020202020204" pitchFamily="34" charset="0"/>
+                <a:cs typeface="Helvetica" panose="020B0604020202020204" pitchFamily="34" charset="0"/>
+              </a:rPr>
+              <a:t>, and </a:t>
+            </a:r>
+            <a:r>
+              <a:rPr lang="en-US" sz="2000" dirty="0" err="1" smtClean="0">
+                <a:latin typeface="Helvetica" panose="020B0604020202020204" pitchFamily="34" charset="0"/>
+                <a:cs typeface="Helvetica" panose="020B0604020202020204" pitchFamily="34" charset="0"/>
+              </a:rPr>
+              <a:t>Hiromichi</a:t>
+            </a:r>
+            <a:r>
+              <a:rPr lang="en-US" sz="2000" dirty="0" smtClean="0">
+                <a:latin typeface="Helvetica" panose="020B0604020202020204" pitchFamily="34" charset="0"/>
+                <a:cs typeface="Helvetica" panose="020B0604020202020204" pitchFamily="34" charset="0"/>
+              </a:rPr>
+              <a:t> Fujisawa. "Handwritten Digit Recognition: Investigation of Normalization and Feature Extraction Techniques." </a:t>
+            </a:r>
+            <a:r>
+              <a:rPr lang="en-US" sz="2000" i="1" dirty="0" smtClean="0">
+                <a:latin typeface="Helvetica" panose="020B0604020202020204" pitchFamily="34" charset="0"/>
+                <a:cs typeface="Helvetica" panose="020B0604020202020204" pitchFamily="34" charset="0"/>
+              </a:rPr>
+              <a:t>Pattern Recognition</a:t>
+            </a:r>
+            <a:r>
+              <a:rPr lang="en-US" sz="2000" dirty="0" smtClean="0">
+                <a:latin typeface="Helvetica" panose="020B0604020202020204" pitchFamily="34" charset="0"/>
+                <a:cs typeface="Helvetica" panose="020B0604020202020204" pitchFamily="34" charset="0"/>
+              </a:rPr>
+              <a:t> 37.2 (2004): 265-79. Web.</a:t>
+            </a:r>
+          </a:p>
+        </p:txBody>
+      </p:sp>
+      <p:sp>
+        <p:nvSpPr>
+          <p:cNvPr id="11" name="TextBox 10"/>
+          <p:cNvSpPr txBox="1"/>
+          <p:nvPr/>
+        </p:nvSpPr>
+        <p:spPr>
+          <a:xfrm>
+            <a:off x="927101" y="15011400"/>
+            <a:ext cx="7973658" cy="1446550"/>
+          </a:xfrm>
+          <a:prstGeom prst="rect">
+            <a:avLst/>
+          </a:prstGeom>
+          <a:noFill/>
+        </p:spPr>
+        <p:txBody>
+          <a:bodyPr wrap="none" rtlCol="0">
+            <a:spAutoFit/>
+          </a:bodyPr>
+          <a:lstStyle/>
+          <a:p>
+            <a:r>
+              <a:rPr lang="en-US" sz="2200" dirty="0" smtClean="0">
+                <a:latin typeface="Helvetica" panose="020B0604020202020204" pitchFamily="34" charset="0"/>
+                <a:cs typeface="Helvetica" panose="020B0604020202020204" pitchFamily="34" charset="0"/>
+              </a:rPr>
+              <a:t>Models</a:t>
+            </a:r>
+          </a:p>
+          <a:p>
+            <a:endParaRPr lang="en-US" sz="2200" dirty="0">
+              <a:latin typeface="Helvetica" panose="020B0604020202020204" pitchFamily="34" charset="0"/>
+              <a:cs typeface="Helvetica" panose="020B0604020202020204" pitchFamily="34" charset="0"/>
+            </a:endParaRPr>
+          </a:p>
+          <a:p>
+            <a:r>
+              <a:rPr lang="en-US" sz="2200" dirty="0" smtClean="0">
+                <a:latin typeface="Helvetica" panose="020B0604020202020204" pitchFamily="34" charset="0"/>
+                <a:cs typeface="Helvetica" panose="020B0604020202020204" pitchFamily="34" charset="0"/>
+              </a:rPr>
+              <a:t>The two best models for this type of machine learning problem</a:t>
+            </a:r>
+          </a:p>
+          <a:p>
+            <a:r>
+              <a:rPr lang="en-US" sz="2200" dirty="0" smtClean="0">
+                <a:latin typeface="Helvetica" panose="020B0604020202020204" pitchFamily="34" charset="0"/>
+                <a:cs typeface="Helvetica" panose="020B0604020202020204" pitchFamily="34" charset="0"/>
+              </a:rPr>
+              <a:t>are: </a:t>
+            </a:r>
+            <a:endParaRPr lang="en-US" sz="2200" dirty="0">
+              <a:latin typeface="Helvetica" panose="020B0604020202020204" pitchFamily="34" charset="0"/>
+              <a:cs typeface="Helvetica" panose="020B0604020202020204" pitchFamily="34" charset="0"/>
+            </a:endParaRPr>
           </a:p>
         </p:txBody>
       </p:sp>
@@ -4353,6 +5006,13 @@
   <p:clrMapOvr>
     <a:masterClrMapping/>
   </p:clrMapOvr>
+  <p:timing>
+    <p:tnLst>
+      <p:par>
+        <p:cTn id="1" dur="indefinite" restart="never" nodeType="tmRoot"/>
+      </p:par>
+    </p:tnLst>
+  </p:timing>
 </p:sld>
 </file>
 
